--- a/Bootstrap.pptx
+++ b/Bootstrap.pptx
@@ -93,6 +93,13 @@
     <p:embeddedFont>
       <p:font typeface="Segoe UI Symbol" pitchFamily="34" charset="0"/>
       <p:regular r:id="rId78"/>
+    </p:embeddedFont>
+    <p:embeddedFont>
+      <p:font typeface="Georgia" pitchFamily="18" charset="0"/>
+      <p:regular r:id="rId79"/>
+      <p:bold r:id="rId80"/>
+      <p:italic r:id="rId81"/>
+      <p:boldItalic r:id="rId82"/>
     </p:embeddedFont>
   </p:embeddedFontLst>
   <p:defaultTextStyle>
@@ -1917,7 +1924,7 @@
         </p:nvSpPr>
         <p:spPr>
           <a:xfrm>
-            <a:off x="381300" y="685800"/>
+            <a:off x="381000" y="685800"/>
             <a:ext cx="6096000" cy="3429000"/>
           </a:xfrm>
           <a:custGeom>
@@ -2321,7 +2328,7 @@
         </p:nvSpPr>
         <p:spPr>
           <a:xfrm>
-            <a:off x="381300" y="685800"/>
+            <a:off x="381000" y="685800"/>
             <a:ext cx="6096000" cy="3429000"/>
           </a:xfrm>
           <a:custGeom>
@@ -2523,7 +2530,7 @@
         </p:nvSpPr>
         <p:spPr>
           <a:xfrm>
-            <a:off x="381300" y="685800"/>
+            <a:off x="381000" y="685800"/>
             <a:ext cx="6096000" cy="3429000"/>
           </a:xfrm>
           <a:custGeom>
@@ -2624,7 +2631,7 @@
         </p:nvSpPr>
         <p:spPr>
           <a:xfrm>
-            <a:off x="381300" y="685800"/>
+            <a:off x="381000" y="685800"/>
             <a:ext cx="6096000" cy="3429000"/>
           </a:xfrm>
           <a:custGeom>
@@ -2725,7 +2732,7 @@
         </p:nvSpPr>
         <p:spPr>
           <a:xfrm>
-            <a:off x="381300" y="685800"/>
+            <a:off x="381000" y="685800"/>
             <a:ext cx="6096000" cy="3429000"/>
           </a:xfrm>
           <a:custGeom>
@@ -2927,7 +2934,7 @@
         </p:nvSpPr>
         <p:spPr>
           <a:xfrm>
-            <a:off x="381300" y="685800"/>
+            <a:off x="381000" y="685800"/>
             <a:ext cx="6096000" cy="3429000"/>
           </a:xfrm>
           <a:custGeom>
@@ -3028,7 +3035,7 @@
         </p:nvSpPr>
         <p:spPr>
           <a:xfrm>
-            <a:off x="381300" y="685800"/>
+            <a:off x="381000" y="685800"/>
             <a:ext cx="6096000" cy="3429000"/>
           </a:xfrm>
           <a:custGeom>
@@ -3129,7 +3136,7 @@
         </p:nvSpPr>
         <p:spPr>
           <a:xfrm>
-            <a:off x="381300" y="685800"/>
+            <a:off x="381000" y="685800"/>
             <a:ext cx="6096000" cy="3429000"/>
           </a:xfrm>
           <a:custGeom>
@@ -3230,7 +3237,7 @@
         </p:nvSpPr>
         <p:spPr>
           <a:xfrm>
-            <a:off x="381300" y="685800"/>
+            <a:off x="381000" y="685800"/>
             <a:ext cx="6096000" cy="3429000"/>
           </a:xfrm>
           <a:custGeom>
@@ -3331,7 +3338,7 @@
         </p:nvSpPr>
         <p:spPr>
           <a:xfrm>
-            <a:off x="381300" y="685800"/>
+            <a:off x="381000" y="685800"/>
             <a:ext cx="6096000" cy="3429000"/>
           </a:xfrm>
           <a:custGeom>
@@ -3432,7 +3439,7 @@
         </p:nvSpPr>
         <p:spPr>
           <a:xfrm>
-            <a:off x="381300" y="685800"/>
+            <a:off x="381000" y="685800"/>
             <a:ext cx="6096000" cy="3429000"/>
           </a:xfrm>
           <a:custGeom>
@@ -3634,7 +3641,7 @@
         </p:nvSpPr>
         <p:spPr>
           <a:xfrm>
-            <a:off x="381300" y="685800"/>
+            <a:off x="381000" y="685800"/>
             <a:ext cx="6096000" cy="3429000"/>
           </a:xfrm>
           <a:custGeom>
@@ -3735,7 +3742,7 @@
         </p:nvSpPr>
         <p:spPr>
           <a:xfrm>
-            <a:off x="381300" y="685800"/>
+            <a:off x="381000" y="685800"/>
             <a:ext cx="6096000" cy="3429000"/>
           </a:xfrm>
           <a:custGeom>
@@ -3836,7 +3843,7 @@
         </p:nvSpPr>
         <p:spPr>
           <a:xfrm>
-            <a:off x="381300" y="685800"/>
+            <a:off x="381000" y="685800"/>
             <a:ext cx="6096000" cy="3429000"/>
           </a:xfrm>
           <a:custGeom>
@@ -4038,7 +4045,7 @@
         </p:nvSpPr>
         <p:spPr>
           <a:xfrm>
-            <a:off x="381300" y="685800"/>
+            <a:off x="381000" y="685800"/>
             <a:ext cx="6096000" cy="3429000"/>
           </a:xfrm>
           <a:custGeom>
@@ -4240,7 +4247,7 @@
         </p:nvSpPr>
         <p:spPr>
           <a:xfrm>
-            <a:off x="381300" y="685800"/>
+            <a:off x="381000" y="685800"/>
             <a:ext cx="6096000" cy="3429000"/>
           </a:xfrm>
           <a:custGeom>
@@ -4442,7 +4449,7 @@
         </p:nvSpPr>
         <p:spPr>
           <a:xfrm>
-            <a:off x="381300" y="685800"/>
+            <a:off x="381000" y="685800"/>
             <a:ext cx="6096000" cy="3429000"/>
           </a:xfrm>
           <a:custGeom>
@@ -4543,7 +4550,7 @@
         </p:nvSpPr>
         <p:spPr>
           <a:xfrm>
-            <a:off x="381300" y="685800"/>
+            <a:off x="381000" y="685800"/>
             <a:ext cx="6096000" cy="3429000"/>
           </a:xfrm>
           <a:custGeom>
@@ -4644,7 +4651,7 @@
         </p:nvSpPr>
         <p:spPr>
           <a:xfrm>
-            <a:off x="381300" y="685800"/>
+            <a:off x="381000" y="685800"/>
             <a:ext cx="6096000" cy="3429000"/>
           </a:xfrm>
           <a:custGeom>
@@ -4745,7 +4752,7 @@
         </p:nvSpPr>
         <p:spPr>
           <a:xfrm>
-            <a:off x="381300" y="685800"/>
+            <a:off x="381000" y="685800"/>
             <a:ext cx="6096000" cy="3429000"/>
           </a:xfrm>
           <a:custGeom>
@@ -4846,7 +4853,7 @@
         </p:nvSpPr>
         <p:spPr>
           <a:xfrm>
-            <a:off x="381300" y="685800"/>
+            <a:off x="381000" y="685800"/>
             <a:ext cx="6096000" cy="3429000"/>
           </a:xfrm>
           <a:custGeom>
@@ -5149,7 +5156,7 @@
         </p:nvSpPr>
         <p:spPr>
           <a:xfrm>
-            <a:off x="381300" y="685800"/>
+            <a:off x="381000" y="685800"/>
             <a:ext cx="6096000" cy="3429000"/>
           </a:xfrm>
           <a:custGeom>
@@ -5250,7 +5257,7 @@
         </p:nvSpPr>
         <p:spPr>
           <a:xfrm>
-            <a:off x="381300" y="685800"/>
+            <a:off x="381000" y="685800"/>
             <a:ext cx="6096000" cy="3429000"/>
           </a:xfrm>
           <a:custGeom>
@@ -5351,7 +5358,7 @@
         </p:nvSpPr>
         <p:spPr>
           <a:xfrm>
-            <a:off x="381300" y="685800"/>
+            <a:off x="381000" y="685800"/>
             <a:ext cx="6096000" cy="3429000"/>
           </a:xfrm>
           <a:custGeom>
@@ -5452,7 +5459,7 @@
         </p:nvSpPr>
         <p:spPr>
           <a:xfrm>
-            <a:off x="381300" y="685800"/>
+            <a:off x="381000" y="685800"/>
             <a:ext cx="6096000" cy="3429000"/>
           </a:xfrm>
           <a:custGeom>
@@ -5553,7 +5560,7 @@
         </p:nvSpPr>
         <p:spPr>
           <a:xfrm>
-            <a:off x="381300" y="685800"/>
+            <a:off x="381000" y="685800"/>
             <a:ext cx="6096000" cy="3429000"/>
           </a:xfrm>
           <a:custGeom>
@@ -5654,7 +5661,7 @@
         </p:nvSpPr>
         <p:spPr>
           <a:xfrm>
-            <a:off x="381300" y="685800"/>
+            <a:off x="381000" y="685800"/>
             <a:ext cx="6096000" cy="3429000"/>
           </a:xfrm>
           <a:custGeom>
@@ -5755,7 +5762,7 @@
         </p:nvSpPr>
         <p:spPr>
           <a:xfrm>
-            <a:off x="381300" y="685800"/>
+            <a:off x="381000" y="685800"/>
             <a:ext cx="6096000" cy="3429000"/>
           </a:xfrm>
           <a:custGeom>
@@ -5856,7 +5863,7 @@
         </p:nvSpPr>
         <p:spPr>
           <a:xfrm>
-            <a:off x="381300" y="685800"/>
+            <a:off x="381000" y="685800"/>
             <a:ext cx="6096000" cy="3429000"/>
           </a:xfrm>
           <a:custGeom>
@@ -5957,7 +5964,7 @@
         </p:nvSpPr>
         <p:spPr>
           <a:xfrm>
-            <a:off x="381300" y="685800"/>
+            <a:off x="381000" y="685800"/>
             <a:ext cx="6096000" cy="3429000"/>
           </a:xfrm>
           <a:custGeom>
@@ -6058,7 +6065,7 @@
         </p:nvSpPr>
         <p:spPr>
           <a:xfrm>
-            <a:off x="381300" y="685800"/>
+            <a:off x="381000" y="685800"/>
             <a:ext cx="6096000" cy="3429000"/>
           </a:xfrm>
           <a:custGeom>
@@ -6260,7 +6267,7 @@
         </p:nvSpPr>
         <p:spPr>
           <a:xfrm>
-            <a:off x="381300" y="685800"/>
+            <a:off x="381000" y="685800"/>
             <a:ext cx="6096000" cy="3429000"/>
           </a:xfrm>
           <a:custGeom>
@@ -12302,31 +12309,7 @@
                 <a:cs typeface="Roboto"/>
                 <a:sym typeface="Roboto"/>
               </a:rPr>
-              <a:t>no </a:t>
-            </a:r>
-            <a:r>
-              <a:rPr lang="en-GB" sz="2000" b="1" dirty="0" smtClean="0">
-                <a:solidFill>
-                  <a:srgbClr val="FFFFFF"/>
-                </a:solidFill>
-                <a:latin typeface="Roboto"/>
-                <a:ea typeface="Roboto"/>
-                <a:cs typeface="Roboto"/>
-                <a:sym typeface="Roboto"/>
-              </a:rPr>
-              <a:t>of </a:t>
-            </a:r>
-            <a:r>
-              <a:rPr lang="en-GB" sz="2000" b="1" dirty="0" smtClean="0">
-                <a:solidFill>
-                  <a:srgbClr val="FFFFFF"/>
-                </a:solidFill>
-                <a:latin typeface="Roboto"/>
-                <a:ea typeface="Roboto"/>
-                <a:cs typeface="Roboto"/>
-                <a:sym typeface="Roboto"/>
-              </a:rPr>
-              <a:t>columns.</a:t>
+              <a:t>no of columns.</a:t>
             </a:r>
             <a:endParaRPr lang="en-US" sz="2000" b="1" dirty="0"/>
           </a:p>
@@ -12421,7 +12404,7 @@
         <p:spPr>
           <a:xfrm>
             <a:off x="609600" y="1125200"/>
-            <a:ext cx="7772400" cy="4154984"/>
+            <a:ext cx="7772400" cy="3970318"/>
           </a:xfrm>
           <a:prstGeom prst="rect">
             <a:avLst/>
@@ -12616,6 +12599,26 @@
               </a:rPr>
               <a:t>Bootstrap 4 supports the latest, stable releases of all major browsers and platforms. However, Internet Explorer 9 and </a:t>
             </a:r>
+            <a:r>
+              <a:rPr lang="en-US" sz="1200" b="1" dirty="0" smtClean="0">
+                <a:solidFill>
+                  <a:schemeClr val="bg1"/>
+                </a:solidFill>
+                <a:latin typeface="Segoe UI Symbol" pitchFamily="34" charset="0"/>
+                <a:ea typeface="Segoe UI Symbol" pitchFamily="34" charset="0"/>
+              </a:rPr>
+              <a:t> </a:t>
+            </a:r>
+            <a:r>
+              <a:rPr lang="en-US" sz="1200" b="1" dirty="0" smtClean="0">
+                <a:solidFill>
+                  <a:schemeClr val="bg1"/>
+                </a:solidFill>
+                <a:latin typeface="Segoe UI Symbol" pitchFamily="34" charset="0"/>
+                <a:ea typeface="Segoe UI Symbol" pitchFamily="34" charset="0"/>
+              </a:rPr>
+              <a:t>down is not supported.</a:t>
+            </a:r>
           </a:p>
           <a:p>
             <a:pPr>
@@ -12630,22 +12633,6 @@
                 <a:latin typeface="Segoe UI Symbol" pitchFamily="34" charset="0"/>
                 <a:ea typeface="Segoe UI Symbol" pitchFamily="34" charset="0"/>
               </a:rPr>
-              <a:t>    down is not supported.</a:t>
-            </a:r>
-          </a:p>
-          <a:p>
-            <a:pPr>
-              <a:buFont typeface="Arial" pitchFamily="34" charset="0"/>
-              <a:buChar char="•"/>
-            </a:pPr>
-            <a:r>
-              <a:rPr lang="en-US" sz="1200" b="1" dirty="0" smtClean="0">
-                <a:solidFill>
-                  <a:schemeClr val="bg1"/>
-                </a:solidFill>
-                <a:latin typeface="Segoe UI Symbol" pitchFamily="34" charset="0"/>
-                <a:ea typeface="Segoe UI Symbol" pitchFamily="34" charset="0"/>
-              </a:rPr>
               <a:t>If you require IE8-9 support, use </a:t>
             </a:r>
             <a:r>
@@ -12670,14 +12657,14 @@
               <a:t> It is the most stable version of Bootstrap, and it is still supported by the team for  critical </a:t>
             </a:r>
             <a:r>
-              <a:rPr lang="en-US" sz="1200" b="1" dirty="0" err="1" smtClean="0">
+              <a:rPr lang="en-US" sz="1200" b="1" dirty="0" smtClean="0">
                 <a:solidFill>
                   <a:schemeClr val="bg1"/>
                 </a:solidFill>
                 <a:latin typeface="Segoe UI Symbol" pitchFamily="34" charset="0"/>
                 <a:ea typeface="Segoe UI Symbol" pitchFamily="34" charset="0"/>
               </a:rPr>
-              <a:t>bugfixes</a:t>
+              <a:t>bug-fixes </a:t>
             </a:r>
             <a:r>
               <a:rPr lang="en-US" sz="1200" b="1" dirty="0" smtClean="0">
@@ -12687,7 +12674,7 @@
                 <a:latin typeface="Segoe UI Symbol" pitchFamily="34" charset="0"/>
                 <a:ea typeface="Segoe UI Symbol" pitchFamily="34" charset="0"/>
               </a:rPr>
-              <a:t> and documentation changes. However, new features will NOT be added to it.</a:t>
+              <a:t>and documentation changes. However, new features will NOT be added to it.</a:t>
             </a:r>
           </a:p>
           <a:p>
@@ -13764,7 +13751,7 @@
             <a:r>
               <a:rPr lang="en-GB" dirty="0">
                 <a:solidFill>
-                  <a:srgbClr val="000000"/>
+                  <a:schemeClr val="bg1"/>
                 </a:solidFill>
                 <a:latin typeface="Roboto"/>
                 <a:ea typeface="Roboto"/>
@@ -18607,7 +18594,7 @@
               <a:buNone/>
             </a:pPr>
             <a:r>
-              <a:rPr lang="en-GB" sz="2850">
+              <a:rPr lang="en-GB" sz="2850" dirty="0">
                 <a:solidFill>
                   <a:srgbClr val="1C02FF"/>
                 </a:solidFill>
@@ -18619,10 +18606,10 @@
                 <a:cs typeface="Courier New"/>
                 <a:sym typeface="Courier New"/>
               </a:rPr>
-              <a:t>&lt;nav </a:t>
-            </a:r>
-            <a:r>
-              <a:rPr lang="en-GB" sz="2850" i="1">
+              <a:t>&lt;</a:t>
+            </a:r>
+            <a:r>
+              <a:rPr lang="en-GB" sz="2850" dirty="0" err="1">
                 <a:solidFill>
                   <a:srgbClr val="1C02FF"/>
                 </a:solidFill>
@@ -18634,10 +18621,40 @@
                 <a:cs typeface="Courier New"/>
                 <a:sym typeface="Courier New"/>
               </a:rPr>
+              <a:t>nav</a:t>
+            </a:r>
+            <a:r>
+              <a:rPr lang="en-GB" sz="2850" dirty="0">
+                <a:solidFill>
+                  <a:srgbClr val="1C02FF"/>
+                </a:solidFill>
+                <a:highlight>
+                  <a:srgbClr val="FFFFFF"/>
+                </a:highlight>
+                <a:latin typeface="Courier New"/>
+                <a:ea typeface="Courier New"/>
+                <a:cs typeface="Courier New"/>
+                <a:sym typeface="Courier New"/>
+              </a:rPr>
+              <a:t> </a:t>
+            </a:r>
+            <a:r>
+              <a:rPr lang="en-GB" sz="2850" i="1" dirty="0">
+                <a:solidFill>
+                  <a:srgbClr val="1C02FF"/>
+                </a:solidFill>
+                <a:highlight>
+                  <a:srgbClr val="FFFFFF"/>
+                </a:highlight>
+                <a:latin typeface="Courier New"/>
+                <a:ea typeface="Courier New"/>
+                <a:cs typeface="Courier New"/>
+                <a:sym typeface="Courier New"/>
+              </a:rPr>
               <a:t>class</a:t>
             </a:r>
             <a:r>
-              <a:rPr lang="en-GB" sz="2850">
+              <a:rPr lang="en-GB" sz="2850" dirty="0">
                 <a:solidFill>
                   <a:srgbClr val="1C02FF"/>
                 </a:solidFill>
@@ -18652,7 +18669,7 @@
               <a:t>=</a:t>
             </a:r>
             <a:r>
-              <a:rPr lang="en-GB" sz="2850">
+              <a:rPr lang="en-GB" sz="2850" dirty="0">
                 <a:solidFill>
                   <a:srgbClr val="036A07"/>
                 </a:solidFill>
@@ -18664,10 +18681,70 @@
                 <a:cs typeface="Courier New"/>
                 <a:sym typeface="Courier New"/>
               </a:rPr>
-              <a:t>"navbar navbar-inverse"</a:t>
-            </a:r>
-            <a:r>
-              <a:rPr lang="en-GB" sz="2850">
+              <a:t>"</a:t>
+            </a:r>
+            <a:r>
+              <a:rPr lang="en-GB" sz="2850" dirty="0" err="1">
+                <a:solidFill>
+                  <a:srgbClr val="036A07"/>
+                </a:solidFill>
+                <a:highlight>
+                  <a:srgbClr val="FFFFFF"/>
+                </a:highlight>
+                <a:latin typeface="Courier New"/>
+                <a:ea typeface="Courier New"/>
+                <a:cs typeface="Courier New"/>
+                <a:sym typeface="Courier New"/>
+              </a:rPr>
+              <a:t>navbar</a:t>
+            </a:r>
+            <a:r>
+              <a:rPr lang="en-GB" sz="2850" dirty="0">
+                <a:solidFill>
+                  <a:srgbClr val="036A07"/>
+                </a:solidFill>
+                <a:highlight>
+                  <a:srgbClr val="FFFFFF"/>
+                </a:highlight>
+                <a:latin typeface="Courier New"/>
+                <a:ea typeface="Courier New"/>
+                <a:cs typeface="Courier New"/>
+                <a:sym typeface="Courier New"/>
+              </a:rPr>
+              <a:t> </a:t>
+            </a:r>
+            <a:r>
+              <a:rPr lang="en-GB" sz="2850" dirty="0" err="1">
+                <a:solidFill>
+                  <a:srgbClr val="036A07"/>
+                </a:solidFill>
+                <a:highlight>
+                  <a:srgbClr val="FFFFFF"/>
+                </a:highlight>
+                <a:latin typeface="Courier New"/>
+                <a:ea typeface="Courier New"/>
+                <a:cs typeface="Courier New"/>
+                <a:sym typeface="Courier New"/>
+              </a:rPr>
+              <a:t>navbar</a:t>
+            </a:r>
+            <a:r>
+              <a:rPr lang="en-GB" sz="2850" dirty="0">
+                <a:solidFill>
+                  <a:srgbClr val="036A07"/>
+                </a:solidFill>
+                <a:highlight>
+                  <a:srgbClr val="FFFFFF"/>
+                </a:highlight>
+                <a:latin typeface="Courier New"/>
+                <a:ea typeface="Courier New"/>
+                <a:cs typeface="Courier New"/>
+                <a:sym typeface="Courier New"/>
+              </a:rPr>
+              <a:t>-inverse"</a:t>
+            </a:r>
+            <a:r>
+              <a:rPr lang="en-GB" sz="2850" dirty="0">
                 <a:solidFill>
                   <a:srgbClr val="1C02FF"/>
                 </a:solidFill>
@@ -18682,7 +18759,7 @@
               <a:t>&gt;</a:t>
             </a:r>
             <a:r>
-              <a:rPr lang="en-GB" sz="2850">
+              <a:rPr lang="en-GB" sz="2850" dirty="0">
                 <a:highlight>
                   <a:srgbClr val="FFFFFF"/>
                 </a:highlight>
@@ -18694,7 +18771,7 @@
               <a:t/>
             </a:r>
             <a:br>
-              <a:rPr lang="en-GB" sz="2850">
+              <a:rPr lang="en-GB" sz="2850" dirty="0">
                 <a:highlight>
                   <a:srgbClr val="FFFFFF"/>
                 </a:highlight>
@@ -18705,7 +18782,7 @@
               </a:rPr>
             </a:br>
             <a:r>
-              <a:rPr lang="en-GB" sz="2850">
+              <a:rPr lang="en-GB" sz="2850" dirty="0">
                 <a:highlight>
                   <a:srgbClr val="FFFFFF"/>
                 </a:highlight>
@@ -18717,7 +18794,7 @@
               <a:t>    </a:t>
             </a:r>
             <a:r>
-              <a:rPr lang="en-GB" sz="2850" i="1">
+              <a:rPr lang="en-GB" sz="2850" i="1" dirty="0">
                 <a:solidFill>
                   <a:srgbClr val="0066FF"/>
                 </a:solidFill>
@@ -18732,7 +18809,7 @@
               <a:t>&lt;!--Contents here--&gt;</a:t>
             </a:r>
             <a:r>
-              <a:rPr lang="en-GB" sz="2850">
+              <a:rPr lang="en-GB" sz="2850" dirty="0">
                 <a:highlight>
                   <a:srgbClr val="FFFFFF"/>
                 </a:highlight>
@@ -18744,7 +18821,7 @@
               <a:t/>
             </a:r>
             <a:br>
-              <a:rPr lang="en-GB" sz="2850">
+              <a:rPr lang="en-GB" sz="2850" dirty="0">
                 <a:highlight>
                   <a:srgbClr val="FFFFFF"/>
                 </a:highlight>
@@ -18755,7 +18832,7 @@
               </a:rPr>
             </a:br>
             <a:r>
-              <a:rPr lang="en-GB" sz="2850">
+              <a:rPr lang="en-GB" sz="2850" dirty="0">
                 <a:solidFill>
                   <a:srgbClr val="1C02FF"/>
                 </a:solidFill>
@@ -18767,7 +18844,37 @@
                 <a:cs typeface="Courier New"/>
                 <a:sym typeface="Courier New"/>
               </a:rPr>
-              <a:t>&lt;/nav&gt;</a:t>
+              <a:t>&lt;/</a:t>
+            </a:r>
+            <a:r>
+              <a:rPr lang="en-GB" sz="2850" dirty="0" err="1">
+                <a:solidFill>
+                  <a:srgbClr val="1C02FF"/>
+                </a:solidFill>
+                <a:highlight>
+                  <a:srgbClr val="FFFFFF"/>
+                </a:highlight>
+                <a:latin typeface="Courier New"/>
+                <a:ea typeface="Courier New"/>
+                <a:cs typeface="Courier New"/>
+                <a:sym typeface="Courier New"/>
+              </a:rPr>
+              <a:t>nav</a:t>
+            </a:r>
+            <a:r>
+              <a:rPr lang="en-GB" sz="2850" dirty="0">
+                <a:solidFill>
+                  <a:srgbClr val="1C02FF"/>
+                </a:solidFill>
+                <a:highlight>
+                  <a:srgbClr val="FFFFFF"/>
+                </a:highlight>
+                <a:latin typeface="Courier New"/>
+                <a:ea typeface="Courier New"/>
+                <a:cs typeface="Courier New"/>
+                <a:sym typeface="Courier New"/>
+              </a:rPr>
+              <a:t>&gt;</a:t>
             </a:r>
           </a:p>
           <a:p>
@@ -18777,18 +18884,15 @@
               </a:spcBef>
               <a:buNone/>
             </a:pPr>
-            <a:r>
-              <a:rPr lang="en-GB">
-                <a:solidFill>
-                  <a:srgbClr val="FFFFFF"/>
-                </a:solidFill>
-                <a:latin typeface="Courier New"/>
-                <a:ea typeface="Courier New"/>
-                <a:cs typeface="Courier New"/>
-                <a:sym typeface="Courier New"/>
-              </a:rPr>
-              <a:t>:</a:t>
-            </a:r>
+            <a:endParaRPr lang="en-GB" dirty="0">
+              <a:solidFill>
+                <a:srgbClr val="FFFFFF"/>
+              </a:solidFill>
+              <a:latin typeface="Courier New"/>
+              <a:ea typeface="Courier New"/>
+              <a:cs typeface="Courier New"/>
+              <a:sym typeface="Courier New"/>
+            </a:endParaRPr>
           </a:p>
         </p:txBody>
       </p:sp>
@@ -21602,9 +21706,9 @@
               <a:buNone/>
             </a:pPr>
             <a:r>
-              <a:rPr lang="en-GB">
-                <a:solidFill>
-                  <a:srgbClr val="000000"/>
+              <a:rPr lang="en-GB" dirty="0">
+                <a:solidFill>
+                  <a:schemeClr val="bg1"/>
                 </a:solidFill>
                 <a:latin typeface="Roboto"/>
                 <a:ea typeface="Roboto"/>
@@ -23867,9 +23971,9 @@
               <a:buNone/>
             </a:pPr>
             <a:r>
-              <a:rPr lang="en-GB">
-                <a:solidFill>
-                  <a:srgbClr val="000000"/>
+              <a:rPr lang="en-GB" dirty="0">
+                <a:solidFill>
+                  <a:schemeClr val="bg1"/>
                 </a:solidFill>
                 <a:latin typeface="Roboto"/>
                 <a:ea typeface="Roboto"/>
@@ -28754,7 +28858,15 @@
                   <a:schemeClr val="bg1"/>
                 </a:solidFill>
               </a:rPr>
-              <a:t>Login/Sign-up Page (</a:t>
+              <a:t>Login/Sign-up Page (Contains Responsive </a:t>
+            </a:r>
+            <a:r>
+              <a:rPr lang="en-US" dirty="0" err="1" smtClean="0">
+                <a:solidFill>
+                  <a:schemeClr val="bg1"/>
+                </a:solidFill>
+              </a:rPr>
+              <a:t>Navbar</a:t>
             </a:r>
             <a:r>
               <a:rPr lang="en-US" dirty="0" smtClean="0">
@@ -28762,29 +28874,8 @@
                   <a:schemeClr val="bg1"/>
                 </a:solidFill>
               </a:rPr>
-              <a:t>Contains Responsive </a:t>
-            </a:r>
-            <a:r>
-              <a:rPr lang="en-US" dirty="0" err="1" smtClean="0">
-                <a:solidFill>
-                  <a:schemeClr val="bg1"/>
-                </a:solidFill>
-              </a:rPr>
-              <a:t>Navbar</a:t>
-            </a:r>
-            <a:r>
-              <a:rPr lang="en-US" dirty="0" smtClean="0">
-                <a:solidFill>
-                  <a:schemeClr val="bg1"/>
-                </a:solidFill>
-              </a:rPr>
               <a:t> and Footer )</a:t>
             </a:r>
-            <a:endParaRPr lang="en-US" dirty="0" smtClean="0">
-              <a:solidFill>
-                <a:schemeClr val="bg1"/>
-              </a:solidFill>
-            </a:endParaRPr>
           </a:p>
           <a:p>
             <a:r>
@@ -28934,16 +29025,7 @@
                 </a:solidFill>
                 <a:hlinkClick r:id="rId3"/>
               </a:rPr>
-              <a:t>https://</a:t>
-            </a:r>
-            <a:r>
-              <a:rPr lang="en-GB" u="sng" dirty="0" smtClean="0">
-                <a:solidFill>
-                  <a:schemeClr val="hlink"/>
-                </a:solidFill>
-                <a:hlinkClick r:id="rId3"/>
-              </a:rPr>
-              <a:t>themes.getbootstrap.com/</a:t>
+              <a:t>https://themes.getbootstrap.com/</a:t>
             </a:r>
             <a:endParaRPr lang="en-GB" u="sng" dirty="0" smtClean="0">
               <a:solidFill>
@@ -29059,17 +29141,26 @@
               <a:buNone/>
             </a:pPr>
             <a:r>
-              <a:rPr lang="en-GB">
-                <a:solidFill>
-                  <a:srgbClr val="000000"/>
+              <a:rPr lang="en-GB" dirty="0" err="1" smtClean="0">
+                <a:solidFill>
+                  <a:schemeClr val="bg1"/>
                 </a:solidFill>
                 <a:latin typeface="Roboto"/>
                 <a:ea typeface="Roboto"/>
                 <a:cs typeface="Roboto"/>
                 <a:sym typeface="Roboto"/>
               </a:rPr>
-              <a:t>Glyphicons</a:t>
-            </a:r>
+              <a:t>Glymphicons</a:t>
+            </a:r>
+            <a:endParaRPr lang="en-GB" dirty="0">
+              <a:solidFill>
+                <a:schemeClr val="bg1"/>
+              </a:solidFill>
+              <a:latin typeface="Roboto"/>
+              <a:ea typeface="Roboto"/>
+              <a:cs typeface="Roboto"/>
+              <a:sym typeface="Roboto"/>
+            </a:endParaRPr>
           </a:p>
         </p:txBody>
       </p:sp>
@@ -29180,13 +29271,7 @@
               <a:rPr lang="en-US" dirty="0" smtClean="0">
                 <a:hlinkClick r:id="rId2"/>
               </a:rPr>
-              <a:t>https://</a:t>
-            </a:r>
-            <a:r>
-              <a:rPr lang="en-US" dirty="0" smtClean="0">
-                <a:hlinkClick r:id="rId2"/>
-              </a:rPr>
-              <a:t>www.w3schools.com/bootstrap4/default.asp</a:t>
+              <a:t>https://www.w3schools.com/bootstrap4/default.asp</a:t>
             </a:r>
             <a:endParaRPr lang="en-US" dirty="0" smtClean="0"/>
           </a:p>
@@ -29204,13 +29289,7 @@
               <a:rPr lang="en-US" dirty="0" smtClean="0">
                 <a:hlinkClick r:id="rId3"/>
               </a:rPr>
-              <a:t>https://getbootstrap.com</a:t>
-            </a:r>
-            <a:r>
-              <a:rPr lang="en-US" dirty="0" smtClean="0">
-                <a:hlinkClick r:id="rId3"/>
-              </a:rPr>
-              <a:t>/</a:t>
+              <a:t>https://getbootstrap.com/</a:t>
             </a:r>
             <a:endParaRPr lang="en-US" dirty="0" smtClean="0"/>
           </a:p>
@@ -29354,7 +29433,7 @@
         </p:nvSpPr>
         <p:spPr>
           <a:xfrm>
-            <a:off x="60100" y="208850"/>
+            <a:off x="60100" y="-19050"/>
             <a:ext cx="8520600" cy="1058100"/>
           </a:xfrm>
           <a:prstGeom prst="rect">
@@ -29374,9 +29453,9 @@
               <a:buNone/>
             </a:pPr>
             <a:r>
-              <a:rPr lang="en-GB">
-                <a:solidFill>
-                  <a:srgbClr val="000000"/>
+              <a:rPr lang="en-GB" dirty="0">
+                <a:solidFill>
+                  <a:schemeClr val="bg1"/>
                 </a:solidFill>
                 <a:latin typeface="Roboto"/>
                 <a:ea typeface="Roboto"/>
@@ -29404,7 +29483,7 @@
         </p:blipFill>
         <p:spPr>
           <a:xfrm>
-            <a:off x="152400" y="1114550"/>
+            <a:off x="152400" y="1200150"/>
             <a:ext cx="8839199" cy="3852591"/>
           </a:xfrm>
           <a:prstGeom prst="rect">
@@ -30401,14 +30480,48 @@
         <a:srgbClr val="FF79C2"/>
       </a:folHlink>
     </a:clrScheme>
-    <a:fontScheme name="Office">
+    <a:fontScheme name="Civic">
       <a:majorFont>
-        <a:latin typeface="Arial"/>
+        <a:latin typeface="Georgia"/>
         <a:ea typeface=""/>
         <a:cs typeface=""/>
         <a:font script="Jpan" typeface="ＭＳ Ｐゴシック"/>
-        <a:font script="Hang" typeface="맑은 고딕"/>
-        <a:font script="Hans" typeface="宋体"/>
+        <a:font script="Hang" typeface="돋움"/>
+        <a:font script="Hans" typeface="方正舒体"/>
+        <a:font script="Hant" typeface="微軟正黑體"/>
+        <a:font script="Arab" typeface="Arial"/>
+        <a:font script="Hebr" typeface="Arial"/>
+        <a:font script="Thai" typeface="Cordia New"/>
+        <a:font script="Ethi" typeface="Nyala"/>
+        <a:font script="Beng" typeface="Vrinda"/>
+        <a:font script="Gujr" typeface="Shruti"/>
+        <a:font script="Khmr" typeface="DaunPenh"/>
+        <a:font script="Knda" typeface="Tunga"/>
+        <a:font script="Guru" typeface="Raavi"/>
+        <a:font script="Cans" typeface="Euphemia"/>
+        <a:font script="Cher" typeface="Plantagenet Cherokee"/>
+        <a:font script="Yiii" typeface="Microsoft Yi Baiti"/>
+        <a:font script="Tibt" typeface="Microsoft Himalaya"/>
+        <a:font script="Thaa" typeface="MV Boli"/>
+        <a:font script="Deva" typeface="Mangal"/>
+        <a:font script="Telu" typeface="Gautami"/>
+        <a:font script="Taml" typeface="Latha"/>
+        <a:font script="Syrc" typeface="Estrangelo Edessa"/>
+        <a:font script="Orya" typeface="Kalinga"/>
+        <a:font script="Mlym" typeface="Kartika"/>
+        <a:font script="Laoo" typeface="DokChampa"/>
+        <a:font script="Sinh" typeface="Iskoola Pota"/>
+        <a:font script="Mong" typeface="Mongolian Baiti"/>
+        <a:font script="Viet" typeface="Arial"/>
+        <a:font script="Uigh" typeface="Microsoft Uighur"/>
+      </a:majorFont>
+      <a:minorFont>
+        <a:latin typeface="Georgia"/>
+        <a:ea typeface=""/>
+        <a:cs typeface=""/>
+        <a:font script="Jpan" typeface="ＭＳ Ｐ明朝"/>
+        <a:font script="Hang" typeface="바탕"/>
+        <a:font script="Hans" typeface="方正舒体"/>
         <a:font script="Hant" typeface="新細明體"/>
         <a:font script="Arab" typeface="Times New Roman"/>
         <a:font script="Hebr" typeface="Times New Roman"/>
@@ -30435,42 +30548,6 @@
         <a:font script="Mong" typeface="Mongolian Baiti"/>
         <a:font script="Viet" typeface="Times New Roman"/>
         <a:font script="Uigh" typeface="Microsoft Uighur"/>
-        <a:font script="Geor" typeface="Sylfaen"/>
-      </a:majorFont>
-      <a:minorFont>
-        <a:latin typeface="Arial"/>
-        <a:ea typeface=""/>
-        <a:cs typeface=""/>
-        <a:font script="Jpan" typeface="ＭＳ Ｐゴシック"/>
-        <a:font script="Hang" typeface="맑은 고딕"/>
-        <a:font script="Hans" typeface="宋体"/>
-        <a:font script="Hant" typeface="新細明體"/>
-        <a:font script="Arab" typeface="Arial"/>
-        <a:font script="Hebr" typeface="Arial"/>
-        <a:font script="Thai" typeface="Cordia New"/>
-        <a:font script="Ethi" typeface="Nyala"/>
-        <a:font script="Beng" typeface="Vrinda"/>
-        <a:font script="Gujr" typeface="Shruti"/>
-        <a:font script="Khmr" typeface="DaunPenh"/>
-        <a:font script="Knda" typeface="Tunga"/>
-        <a:font script="Guru" typeface="Raavi"/>
-        <a:font script="Cans" typeface="Euphemia"/>
-        <a:font script="Cher" typeface="Plantagenet Cherokee"/>
-        <a:font script="Yiii" typeface="Microsoft Yi Baiti"/>
-        <a:font script="Tibt" typeface="Microsoft Himalaya"/>
-        <a:font script="Thaa" typeface="MV Boli"/>
-        <a:font script="Deva" typeface="Mangal"/>
-        <a:font script="Telu" typeface="Gautami"/>
-        <a:font script="Taml" typeface="Latha"/>
-        <a:font script="Syrc" typeface="Estrangelo Edessa"/>
-        <a:font script="Orya" typeface="Kalinga"/>
-        <a:font script="Mlym" typeface="Kartika"/>
-        <a:font script="Laoo" typeface="DokChampa"/>
-        <a:font script="Sinh" typeface="Iskoola Pota"/>
-        <a:font script="Mong" typeface="Mongolian Baiti"/>
-        <a:font script="Viet" typeface="Arial"/>
-        <a:font script="Uigh" typeface="Microsoft Uighur"/>
-        <a:font script="Geor" typeface="Sylfaen"/>
       </a:minorFont>
     </a:fontScheme>
     <a:fmtScheme name="Office">
